--- a/Azure Databricks - Notes From the Field.pptx
+++ b/Azure Databricks - Notes From the Field.pptx
@@ -210,7 +210,7 @@
           <a:p>
             <a:fld id="{F63EACA6-3A26-4D99-AB02-CDF3EFB02907}" type="datetimeFigureOut">
               <a:rPr lang="en-US" smtClean="0"/>
-              <a:t>10/22/2018</a:t>
+              <a:t>10/23/2018</a:t>
             </a:fld>
             <a:endParaRPr lang="en-US"/>
           </a:p>
@@ -829,7 +829,7 @@
             </a:pPr>
             <a:r>
               <a:rPr lang="en-US" dirty="0"/>
-              <a:t>Obstacle for CI/CD… cannot be created programmatically</a:t>
+              <a:t>Obstacle for CI/CD… first one cannot be created programmatically</a:t>
             </a:r>
           </a:p>
           <a:p>
@@ -1243,6 +1243,84 @@
               <a:rPr lang="en-US" dirty="0"/>
               <a:t>Critically important for streaming jobs that (theoretically) never end</a:t>
             </a:r>
+          </a:p>
+          <a:p>
+            <a:pPr marL="0" lvl="0" indent="0">
+              <a:buFontTx/>
+              <a:buNone/>
+            </a:pPr>
+            <a:endParaRPr lang="en-US" dirty="0"/>
+          </a:p>
+          <a:p>
+            <a:pPr marL="171450" lvl="0" indent="-171450">
+              <a:buFontTx/>
+              <a:buChar char="-"/>
+            </a:pPr>
+            <a:r>
+              <a:rPr lang="en-US" dirty="0" err="1"/>
+              <a:t>spark.read.option</a:t>
+            </a:r>
+            <a:r>
+              <a:rPr lang="en-US" dirty="0"/>
+              <a:t>(“mode”, “PERMISSIVE | DROPMALFORMED | FAILFAST”)</a:t>
+            </a:r>
+          </a:p>
+          <a:p>
+            <a:pPr marL="0" lvl="0" indent="0">
+              <a:buFontTx/>
+              <a:buNone/>
+            </a:pPr>
+            <a:endParaRPr lang="en-US" dirty="0"/>
+          </a:p>
+          <a:p>
+            <a:pPr marL="171450" marR="0" lvl="0" indent="-171450" algn="l" defTabSz="914400" rtl="0" eaLnBrk="1" fontAlgn="auto" latinLnBrk="0" hangingPunct="1">
+              <a:lnSpc>
+                <a:spcPct val="100000"/>
+              </a:lnSpc>
+              <a:spcBef>
+                <a:spcPts val="0"/>
+              </a:spcBef>
+              <a:spcAft>
+                <a:spcPts val="0"/>
+              </a:spcAft>
+              <a:buClrTx/>
+              <a:buSzTx/>
+              <a:buFontTx/>
+              <a:buChar char="-"/>
+              <a:tabLst/>
+              <a:defRPr/>
+            </a:pPr>
+            <a:r>
+              <a:rPr lang="en-US" dirty="0" err="1"/>
+              <a:t>spark.read.option</a:t>
+            </a:r>
+            <a:r>
+              <a:rPr lang="en-US" dirty="0"/>
+              <a:t>(“</a:t>
+            </a:r>
+            <a:r>
+              <a:rPr lang="en-US" dirty="0" err="1"/>
+              <a:t>badRecordsPath</a:t>
+            </a:r>
+            <a:r>
+              <a:rPr lang="en-US" dirty="0"/>
+              <a:t>”, “/blah/</a:t>
+            </a:r>
+            <a:r>
+              <a:rPr lang="en-US" dirty="0" err="1"/>
+              <a:t>blahblah</a:t>
+            </a:r>
+            <a:r>
+              <a:rPr lang="en-US" dirty="0"/>
+              <a:t>”) + out-of-band processing</a:t>
+            </a:r>
+          </a:p>
+          <a:p>
+            <a:pPr marL="0" lvl="0" indent="0">
+              <a:buFontTx/>
+              <a:buNone/>
+            </a:pPr>
+            <a:endParaRPr lang="en-US" dirty="0"/>
           </a:p>
         </p:txBody>
       </p:sp>
@@ -1694,7 +1772,7 @@
           <a:p>
             <a:fld id="{4B160281-B405-4978-A22B-3DD1834D1869}" type="datetimeFigureOut">
               <a:rPr lang="en-US" smtClean="0"/>
-              <a:t>10/22/2018</a:t>
+              <a:t>10/23/2018</a:t>
             </a:fld>
             <a:endParaRPr lang="en-US"/>
           </a:p>
@@ -1892,7 +1970,7 @@
           <a:p>
             <a:fld id="{4B160281-B405-4978-A22B-3DD1834D1869}" type="datetimeFigureOut">
               <a:rPr lang="en-US" smtClean="0"/>
-              <a:t>10/22/2018</a:t>
+              <a:t>10/23/2018</a:t>
             </a:fld>
             <a:endParaRPr lang="en-US"/>
           </a:p>
@@ -2100,7 +2178,7 @@
           <a:p>
             <a:fld id="{4B160281-B405-4978-A22B-3DD1834D1869}" type="datetimeFigureOut">
               <a:rPr lang="en-US" smtClean="0"/>
-              <a:t>10/22/2018</a:t>
+              <a:t>10/23/2018</a:t>
             </a:fld>
             <a:endParaRPr lang="en-US"/>
           </a:p>
@@ -2298,7 +2376,7 @@
           <a:p>
             <a:fld id="{4B160281-B405-4978-A22B-3DD1834D1869}" type="datetimeFigureOut">
               <a:rPr lang="en-US" smtClean="0"/>
-              <a:t>10/22/2018</a:t>
+              <a:t>10/23/2018</a:t>
             </a:fld>
             <a:endParaRPr lang="en-US"/>
           </a:p>
@@ -2573,7 +2651,7 @@
           <a:p>
             <a:fld id="{4B160281-B405-4978-A22B-3DD1834D1869}" type="datetimeFigureOut">
               <a:rPr lang="en-US" smtClean="0"/>
-              <a:t>10/22/2018</a:t>
+              <a:t>10/23/2018</a:t>
             </a:fld>
             <a:endParaRPr lang="en-US"/>
           </a:p>
@@ -2838,7 +2916,7 @@
           <a:p>
             <a:fld id="{4B160281-B405-4978-A22B-3DD1834D1869}" type="datetimeFigureOut">
               <a:rPr lang="en-US" smtClean="0"/>
-              <a:t>10/22/2018</a:t>
+              <a:t>10/23/2018</a:t>
             </a:fld>
             <a:endParaRPr lang="en-US"/>
           </a:p>
@@ -3250,7 +3328,7 @@
           <a:p>
             <a:fld id="{4B160281-B405-4978-A22B-3DD1834D1869}" type="datetimeFigureOut">
               <a:rPr lang="en-US" smtClean="0"/>
-              <a:t>10/22/2018</a:t>
+              <a:t>10/23/2018</a:t>
             </a:fld>
             <a:endParaRPr lang="en-US"/>
           </a:p>
@@ -3391,7 +3469,7 @@
           <a:p>
             <a:fld id="{4B160281-B405-4978-A22B-3DD1834D1869}" type="datetimeFigureOut">
               <a:rPr lang="en-US" smtClean="0"/>
-              <a:t>10/22/2018</a:t>
+              <a:t>10/23/2018</a:t>
             </a:fld>
             <a:endParaRPr lang="en-US"/>
           </a:p>
@@ -3504,7 +3582,7 @@
           <a:p>
             <a:fld id="{4B160281-B405-4978-A22B-3DD1834D1869}" type="datetimeFigureOut">
               <a:rPr lang="en-US" smtClean="0"/>
-              <a:t>10/22/2018</a:t>
+              <a:t>10/23/2018</a:t>
             </a:fld>
             <a:endParaRPr lang="en-US"/>
           </a:p>
@@ -3815,7 +3893,7 @@
           <a:p>
             <a:fld id="{4B160281-B405-4978-A22B-3DD1834D1869}" type="datetimeFigureOut">
               <a:rPr lang="en-US" smtClean="0"/>
-              <a:t>10/22/2018</a:t>
+              <a:t>10/23/2018</a:t>
             </a:fld>
             <a:endParaRPr lang="en-US"/>
           </a:p>
@@ -4103,7 +4181,7 @@
           <a:p>
             <a:fld id="{4B160281-B405-4978-A22B-3DD1834D1869}" type="datetimeFigureOut">
               <a:rPr lang="en-US" smtClean="0"/>
-              <a:t>10/22/2018</a:t>
+              <a:t>10/23/2018</a:t>
             </a:fld>
             <a:endParaRPr lang="en-US"/>
           </a:p>
@@ -4344,7 +4422,7 @@
           <a:p>
             <a:fld id="{4B160281-B405-4978-A22B-3DD1834D1869}" type="datetimeFigureOut">
               <a:rPr lang="en-US" smtClean="0"/>
-              <a:t>10/22/2018</a:t>
+              <a:t>10/23/2018</a:t>
             </a:fld>
             <a:endParaRPr lang="en-US"/>
           </a:p>
@@ -5051,8 +5129,8 @@
         </p:blipFill>
         <p:spPr bwMode="auto">
           <a:xfrm>
-            <a:off x="5797543" y="10"/>
-            <a:ext cx="6394152" cy="6857990"/>
+            <a:off x="5763802" y="431524"/>
+            <a:ext cx="4977469" cy="5338539"/>
           </a:xfrm>
           <a:prstGeom prst="rect">
             <a:avLst/>
@@ -5138,7 +5216,7 @@
         </p:spPr>
         <p:txBody>
           <a:bodyPr>
-            <a:normAutofit/>
+            <a:normAutofit fontScale="90000"/>
           </a:bodyPr>
           <a:lstStyle/>
           <a:p>
@@ -5148,7 +5226,7 @@
                   <a:srgbClr val="000000"/>
                 </a:solidFill>
               </a:rPr>
-              <a:t>Corrupt Inputs…</a:t>
+              <a:t>Corrupt Input Data…</a:t>
             </a:r>
             <a:br>
               <a:rPr lang="en-US" dirty="0">
@@ -5157,17 +5235,60 @@
                 </a:solidFill>
               </a:rPr>
             </a:br>
-            <a:r>
+            <a:br>
               <a:rPr lang="en-US" dirty="0">
                 <a:solidFill>
                   <a:srgbClr val="000000"/>
                 </a:solidFill>
               </a:rPr>
-              <a:t>Be Discrete!</a:t>
-            </a:r>
-          </a:p>
-        </p:txBody>
-      </p:sp>
+            </a:br>
+            <a:r>
+              <a:rPr lang="en-US" dirty="0">
+                <a:solidFill>
+                  <a:srgbClr val="000000"/>
+                </a:solidFill>
+              </a:rPr>
+              <a:t>Choose Your Own Adventure</a:t>
+            </a:r>
+          </a:p>
+        </p:txBody>
+      </p:sp>
+      <p:pic>
+        <p:nvPicPr>
+          <p:cNvPr id="4" name="Picture 3">
+            <a:extLst>
+              <a:ext uri="{FF2B5EF4-FFF2-40B4-BE49-F238E27FC236}">
+                <a16:creationId xmlns:a16="http://schemas.microsoft.com/office/drawing/2014/main" id="{2A9DFD35-34B2-4AA6-BC8E-C2CA6100EDA0}"/>
+              </a:ext>
+            </a:extLst>
+          </p:cNvPr>
+          <p:cNvPicPr>
+            <a:picLocks noChangeAspect="1"/>
+          </p:cNvPicPr>
+          <p:nvPr/>
+        </p:nvPicPr>
+        <p:blipFill>
+          <a:blip r:embed="rId5">
+            <a:extLst>
+              <a:ext uri="{28A0092B-C50C-407E-A947-70E740481C1C}">
+                <a14:useLocalDpi xmlns:a14="http://schemas.microsoft.com/office/drawing/2010/main" val="0"/>
+              </a:ext>
+            </a:extLst>
+          </a:blip>
+          <a:stretch>
+            <a:fillRect/>
+          </a:stretch>
+        </p:blipFill>
+        <p:spPr>
+          <a:xfrm>
+            <a:off x="10036528" y="3372492"/>
+            <a:ext cx="1961243" cy="3277456"/>
+          </a:xfrm>
+          <a:prstGeom prst="rect">
+            <a:avLst/>
+          </a:prstGeom>
+        </p:spPr>
+      </p:pic>
     </p:spTree>
     <p:extLst>
       <p:ext uri="{BB962C8B-B14F-4D97-AF65-F5344CB8AC3E}">
@@ -6134,8 +6255,8 @@
           <a:lstStyle/>
           <a:p>
             <a:r>
-              <a:rPr lang="en-US" sz="6000"/>
-              <a:t>Embrace the Azure Ecosystem</a:t>
+              <a:rPr lang="en-US" sz="6000" dirty="0"/>
+              <a:t>Embrace the Ecosystem</a:t>
             </a:r>
           </a:p>
         </p:txBody>
@@ -6578,18 +6699,18 @@
       </p:sp>
       <p:sp>
         <p:nvSpPr>
-          <p:cNvPr id="5" name="Text Placeholder 4">
-            <a:extLst>
-              <a:ext uri="{FF2B5EF4-FFF2-40B4-BE49-F238E27FC236}">
-                <a16:creationId xmlns:a16="http://schemas.microsoft.com/office/drawing/2014/main" id="{0DA0A8AD-07F8-495B-8BDC-666F6DC416C4}"/>
-              </a:ext>
-            </a:extLst>
-          </p:cNvPr>
-          <p:cNvSpPr>
-            <a:spLocks noGrp="1"/>
-          </p:cNvSpPr>
-          <p:nvPr>
-            <p:ph type="body" idx="1"/>
+          <p:cNvPr id="2" name="Content Placeholder 1">
+            <a:extLst>
+              <a:ext uri="{FF2B5EF4-FFF2-40B4-BE49-F238E27FC236}">
+                <a16:creationId xmlns:a16="http://schemas.microsoft.com/office/drawing/2014/main" id="{4B5DC54F-AB26-4793-9A20-A7FF72AD05F5}"/>
+              </a:ext>
+            </a:extLst>
+          </p:cNvPr>
+          <p:cNvSpPr>
+            <a:spLocks noGrp="1"/>
+          </p:cNvSpPr>
+          <p:nvPr>
+            <p:ph idx="1"/>
           </p:nvPr>
         </p:nvSpPr>
         <p:spPr/>
@@ -6597,7 +6718,44 @@
           <a:bodyPr/>
           <a:lstStyle/>
           <a:p>
-            <a:endParaRPr lang="en-US"/>
+            <a:r>
+              <a:rPr lang="en-US" dirty="0">
+                <a:hlinkClick r:id="rId2"/>
+              </a:rPr>
+              <a:t>https://github.com/jplane/ato-databricks</a:t>
+            </a:r>
+            <a:endParaRPr lang="en-US" dirty="0"/>
+          </a:p>
+          <a:p>
+            <a:endParaRPr lang="en-US" dirty="0">
+              <a:hlinkClick r:id="rId3"/>
+            </a:endParaRPr>
+          </a:p>
+          <a:p>
+            <a:r>
+              <a:rPr lang="en-US" dirty="0">
+                <a:hlinkClick r:id="rId3"/>
+              </a:rPr>
+              <a:t>josh.lane@microsoft.com</a:t>
+            </a:r>
+            <a:endParaRPr lang="en-US" dirty="0"/>
+          </a:p>
+          <a:p>
+            <a:endParaRPr lang="en-US" dirty="0">
+              <a:hlinkClick r:id="rId4"/>
+            </a:endParaRPr>
+          </a:p>
+          <a:p>
+            <a:r>
+              <a:rPr lang="en-US" dirty="0">
+                <a:hlinkClick r:id="rId4"/>
+              </a:rPr>
+              <a:t>ian.philpot@microsoft.com</a:t>
+            </a:r>
+            <a:endParaRPr lang="en-US" dirty="0"/>
+          </a:p>
+          <a:p>
+            <a:endParaRPr lang="en-US" dirty="0"/>
           </a:p>
         </p:txBody>
       </p:sp>
@@ -6939,19 +7097,39 @@
         </p:nvSpPr>
         <p:spPr>
           <a:xfrm>
-            <a:off x="6940295" y="1396289"/>
+            <a:off x="6940296" y="2222967"/>
             <a:ext cx="4668257" cy="1325563"/>
           </a:xfrm>
         </p:spPr>
         <p:txBody>
           <a:bodyPr>
-            <a:normAutofit/>
+            <a:normAutofit fontScale="90000"/>
           </a:bodyPr>
           <a:lstStyle/>
           <a:p>
             <a:r>
               <a:rPr lang="en-US" dirty="0"/>
-              <a:t>Notebooks as API Endpoints</a:t>
+              <a:t>Notebooks?</a:t>
+            </a:r>
+            <a:br>
+              <a:rPr lang="en-US" dirty="0"/>
+            </a:br>
+            <a:br>
+              <a:rPr lang="en-US" dirty="0"/>
+            </a:br>
+            <a:r>
+              <a:rPr lang="en-US" dirty="0"/>
+              <a:t>Notebooks!</a:t>
+            </a:r>
+            <a:br>
+              <a:rPr lang="en-US" dirty="0"/>
+            </a:br>
+            <a:br>
+              <a:rPr lang="en-US" dirty="0"/>
+            </a:br>
+            <a:r>
+              <a:rPr lang="en-US" dirty="0"/>
+              <a:t>But choose… wisely</a:t>
             </a:r>
           </a:p>
         </p:txBody>
@@ -7398,7 +7576,7 @@
       </p:sp>
       <p:pic>
         <p:nvPicPr>
-          <p:cNvPr id="1030" name="Picture 6" descr="Image result for notebooks napoleon dynamite">
+          <p:cNvPr id="1030" name="Picture 6">
             <a:extLst>
               <a:ext uri="{FF2B5EF4-FFF2-40B4-BE49-F238E27FC236}">
                 <a16:creationId xmlns:a16="http://schemas.microsoft.com/office/drawing/2014/main" id="{37B68AFC-4A8B-480B-9682-68CF651B22F5}"/>
@@ -7410,7 +7588,7 @@
           </p:cNvPicPr>
           <p:nvPr/>
         </p:nvPicPr>
-        <p:blipFill rotWithShape="1">
+        <p:blipFill>
           <a:blip r:embed="rId3">
             <a:extLst>
               <a:ext uri="{28A0092B-C50C-407E-A947-70E740481C1C}">
@@ -7418,13 +7596,14 @@
               </a:ext>
             </a:extLst>
           </a:blip>
-          <a:srcRect r="-4" b="-4"/>
-          <a:stretch/>
+          <a:stretch>
+            <a:fillRect/>
+          </a:stretch>
         </p:blipFill>
         <p:spPr bwMode="auto">
           <a:xfrm>
-            <a:off x="3559122" y="2661260"/>
-            <a:ext cx="2788920" cy="2788920"/>
+            <a:off x="3559122" y="3271336"/>
+            <a:ext cx="2788920" cy="1568767"/>
           </a:xfrm>
           <a:custGeom>
             <a:avLst/>

--- a/Azure Databricks - Notes From the Field.pptx
+++ b/Azure Databricks - Notes From the Field.pptx
@@ -581,7 +581,7 @@
               <a:rPr lang="en-US" smtClean="0"/>
               <a:t>4</a:t>
             </a:fld>
-            <a:endParaRPr lang="en-US"/>
+            <a:endParaRPr lang="en-US" dirty="0"/>
           </a:p>
         </p:txBody>
       </p:sp>
@@ -752,7 +752,7 @@
               <a:rPr lang="en-US" smtClean="0"/>
               <a:t>5</a:t>
             </a:fld>
-            <a:endParaRPr lang="en-US"/>
+            <a:endParaRPr lang="en-US" dirty="0"/>
           </a:p>
         </p:txBody>
       </p:sp>
@@ -856,7 +856,7 @@
               <a:rPr lang="en-US" smtClean="0"/>
               <a:t>7</a:t>
             </a:fld>
-            <a:endParaRPr lang="en-US"/>
+            <a:endParaRPr lang="en-US" dirty="0"/>
           </a:p>
         </p:txBody>
       </p:sp>
@@ -987,7 +987,7 @@
               <a:rPr lang="en-US" smtClean="0"/>
               <a:t>8</a:t>
             </a:fld>
-            <a:endParaRPr lang="en-US"/>
+            <a:endParaRPr lang="en-US" dirty="0"/>
           </a:p>
         </p:txBody>
       </p:sp>
@@ -4906,7 +4906,7 @@
           <a:lstStyle/>
           <a:p>
             <a:pPr algn="ctr"/>
-            <a:endParaRPr lang="en-US"/>
+            <a:endParaRPr lang="en-US" dirty="0"/>
           </a:p>
         </p:txBody>
       </p:sp>
@@ -7021,13 +7021,13 @@
           <a:p>
             <a:r>
               <a:rPr lang="en-US" sz="2400" dirty="0"/>
-              <a:t>Blah blah</a:t>
+              <a:t>Started during the dotcom bubble</a:t>
             </a:r>
           </a:p>
           <a:p>
             <a:r>
               <a:rPr lang="en-US" sz="2400" dirty="0"/>
-              <a:t>Blah blah blah</a:t>
+              <a:t>I use Fedora exclusively, learning Go part-time </a:t>
             </a:r>
           </a:p>
           <a:p>
@@ -7286,7 +7286,7 @@
               <a:tabLst/>
               <a:defRPr/>
             </a:pPr>
-            <a:endParaRPr kumimoji="0" lang="en-US" sz="1800" b="0" i="0" u="none" strike="noStrike" kern="1200" cap="none" spc="0" normalizeH="0" baseline="0" noProof="0">
+            <a:endParaRPr kumimoji="0" lang="en-US" sz="1800" b="0" i="0" u="none" strike="noStrike" kern="1200" cap="none" spc="0" normalizeH="0" baseline="0" noProof="0" dirty="0">
               <a:ln>
                 <a:noFill/>
               </a:ln>
@@ -7463,7 +7463,7 @@
               <a:tabLst/>
               <a:defRPr/>
             </a:pPr>
-            <a:endParaRPr kumimoji="0" lang="en-US" sz="1800" b="0" i="0" u="none" strike="noStrike" kern="1200" cap="none" spc="0" normalizeH="0" baseline="0" noProof="0">
+            <a:endParaRPr kumimoji="0" lang="en-US" sz="1800" b="0" i="0" u="none" strike="noStrike" kern="1200" cap="none" spc="0" normalizeH="0" baseline="0" noProof="0" dirty="0">
               <a:ln>
                 <a:noFill/>
               </a:ln>
@@ -7557,7 +7557,7 @@
               <a:tabLst/>
               <a:defRPr/>
             </a:pPr>
-            <a:endParaRPr kumimoji="0" lang="en-US" sz="1800" b="0" i="0" u="none" strike="noStrike" kern="1200" cap="none" spc="0" normalizeH="0" baseline="0" noProof="0">
+            <a:endParaRPr kumimoji="0" lang="en-US" sz="1800" b="0" i="0" u="none" strike="noStrike" kern="1200" cap="none" spc="0" normalizeH="0" baseline="0" noProof="0" dirty="0">
               <a:ln>
                 <a:noFill/>
               </a:ln>
@@ -7951,7 +7951,7 @@
           </a:bodyPr>
           <a:lstStyle/>
           <a:p>
-            <a:endParaRPr lang="en-US" sz="1800"/>
+            <a:endParaRPr lang="en-US" sz="1800" dirty="0"/>
           </a:p>
         </p:txBody>
       </p:sp>
@@ -8101,7 +8101,7 @@
           <a:lstStyle/>
           <a:p>
             <a:pPr algn="ctr"/>
-            <a:endParaRPr lang="en-US"/>
+            <a:endParaRPr lang="en-US" dirty="0"/>
           </a:p>
         </p:txBody>
       </p:sp>
@@ -8135,7 +8135,7 @@
           <a:p>
             <a:pPr algn="ctr"/>
             <a:r>
-              <a:rPr lang="en-US" sz="3600">
+              <a:rPr lang="en-US" sz="3600" dirty="0">
                 <a:solidFill>
                   <a:schemeClr val="tx1">
                     <a:lumMod val="85000"/>
@@ -8345,7 +8345,7 @@
           <a:bodyPr/>
           <a:lstStyle/>
           <a:p>
-            <a:endParaRPr lang="en-US"/>
+            <a:endParaRPr lang="en-US" dirty="0"/>
           </a:p>
         </p:txBody>
       </p:sp>
@@ -8452,7 +8452,7 @@
           <a:lstStyle/>
           <a:p>
             <a:pPr algn="ctr"/>
-            <a:endParaRPr lang="en-US"/>
+            <a:endParaRPr lang="en-US" dirty="0"/>
           </a:p>
         </p:txBody>
       </p:sp>
@@ -8486,7 +8486,7 @@
           <a:p>
             <a:pPr algn="ctr"/>
             <a:r>
-              <a:rPr lang="en-US" sz="4800" kern="1200">
+              <a:rPr lang="en-US" sz="4800" kern="1200" dirty="0">
                 <a:solidFill>
                   <a:srgbClr val="FFFFFF"/>
                 </a:solidFill>
@@ -8624,7 +8624,7 @@
           <a:bodyPr/>
           <a:lstStyle/>
           <a:p>
-            <a:endParaRPr lang="en-US"/>
+            <a:endParaRPr lang="en-US" dirty="0"/>
           </a:p>
         </p:txBody>
       </p:sp>
@@ -8748,7 +8748,7 @@
           <a:lstStyle/>
           <a:p>
             <a:pPr algn="ctr"/>
-            <a:endParaRPr lang="en-US"/>
+            <a:endParaRPr lang="en-US" dirty="0"/>
           </a:p>
         </p:txBody>
       </p:sp>
@@ -8980,7 +8980,7 @@
           <a:lstStyle/>
           <a:p>
             <a:pPr algn="ctr"/>
-            <a:endParaRPr lang="en-US"/>
+            <a:endParaRPr lang="en-US" dirty="0"/>
           </a:p>
         </p:txBody>
       </p:sp>
@@ -9144,7 +9144,7 @@
           </a:bodyPr>
           <a:lstStyle/>
           <a:p>
-            <a:endParaRPr lang="en-US" sz="2000">
+            <a:endParaRPr lang="en-US" sz="2000" dirty="0">
               <a:solidFill>
                 <a:srgbClr val="000000"/>
               </a:solidFill>
@@ -9298,7 +9298,7 @@
           <a:lstStyle/>
           <a:p>
             <a:pPr algn="ctr"/>
-            <a:endParaRPr lang="en-US"/>
+            <a:endParaRPr lang="en-US" dirty="0"/>
           </a:p>
         </p:txBody>
       </p:sp>
@@ -9332,7 +9332,7 @@
           <a:p>
             <a:pPr algn="ctr"/>
             <a:r>
-              <a:rPr lang="en-US" sz="3600">
+              <a:rPr lang="en-US" sz="3600" dirty="0">
                 <a:solidFill>
                   <a:schemeClr val="tx1">
                     <a:lumMod val="85000"/>
